--- a/apresentacao.pptx
+++ b/apresentacao.pptx
@@ -15640,7 +15640,7 @@
 </file>
 
 <file path=ppt/slides/slide5.xml><?xml version="1.0" encoding="utf-8"?>
-<p:sld xmlns:a="http://schemas.openxmlformats.org/drawingml/2006/main" xmlns:r="http://schemas.openxmlformats.org/officeDocument/2006/relationships" xmlns:p="http://schemas.openxmlformats.org/presentationml/2006/main" show="0">
+<p:sld xmlns:a="http://schemas.openxmlformats.org/drawingml/2006/main" xmlns:r="http://schemas.openxmlformats.org/officeDocument/2006/relationships" xmlns:p="http://schemas.openxmlformats.org/presentationml/2006/main">
   <p:cSld>
     <p:bg>
       <p:bgPr>
@@ -15671,10 +15671,10 @@
       </p:grpSpPr>
       <p:pic>
         <p:nvPicPr>
-          <p:cNvPr id="7" name="Imagem 6" descr="Ícone&#10;&#10;Descrição gerada automaticamente">
-            <a:extLst>
-              <a:ext uri="{FF2B5EF4-FFF2-40B4-BE49-F238E27FC236}">
-                <a16:creationId xmlns:a16="http://schemas.microsoft.com/office/drawing/2014/main" id="{78C5DEE4-085C-1AEA-27F2-1FCAC5B1AAAE}"/>
+          <p:cNvPr id="32" name="Imagem 31" descr="Ícone&#10;&#10;Descrição gerada automaticamente">
+            <a:extLst>
+              <a:ext uri="{FF2B5EF4-FFF2-40B4-BE49-F238E27FC236}">
+                <a16:creationId xmlns:a16="http://schemas.microsoft.com/office/drawing/2014/main" id="{A2175E0C-929D-F7F2-CACD-3EA69E26716F}"/>
               </a:ext>
             </a:extLst>
           </p:cNvPr>
@@ -15691,8 +15691,8 @@
         </p:blipFill>
         <p:spPr>
           <a:xfrm>
-            <a:off x="1682540" y="3167790"/>
-            <a:ext cx="318569" cy="318569"/>
+            <a:off x="5019016" y="2084667"/>
+            <a:ext cx="853623" cy="853623"/>
           </a:xfrm>
           <a:prstGeom prst="rect">
             <a:avLst/>
@@ -15701,10 +15701,10 @@
       </p:pic>
       <p:pic>
         <p:nvPicPr>
-          <p:cNvPr id="9" name="Imagem 8" descr="Ícone&#10;&#10;Descrição gerada automaticamente">
-            <a:extLst>
-              <a:ext uri="{FF2B5EF4-FFF2-40B4-BE49-F238E27FC236}">
-                <a16:creationId xmlns:a16="http://schemas.microsoft.com/office/drawing/2014/main" id="{0B65CB1F-CD1A-ECEF-25C8-4A2CF79CAD77}"/>
+          <p:cNvPr id="56" name="Gráfico 55" descr="Banco de dados com preenchimento sólido">
+            <a:extLst>
+              <a:ext uri="{FF2B5EF4-FFF2-40B4-BE49-F238E27FC236}">
+                <a16:creationId xmlns:a16="http://schemas.microsoft.com/office/drawing/2014/main" id="{902A10A5-10B1-57DF-2613-DC02F117001C}"/>
               </a:ext>
             </a:extLst>
           </p:cNvPr>
@@ -15714,292 +15714,10 @@
           <p:nvPr/>
         </p:nvPicPr>
         <p:blipFill>
-          <a:blip r:embed="rId3"/>
-          <a:stretch>
-            <a:fillRect/>
-          </a:stretch>
-        </p:blipFill>
-        <p:spPr>
-          <a:xfrm>
-            <a:off x="7936655" y="1183499"/>
-            <a:ext cx="1217672" cy="172518"/>
-          </a:xfrm>
-          <a:prstGeom prst="rect">
-            <a:avLst/>
-          </a:prstGeom>
-        </p:spPr>
-      </p:pic>
-      <p:pic>
-        <p:nvPicPr>
-          <p:cNvPr id="11" name="Imagem 10" descr="Forma&#10;&#10;Descrição gerada automaticamente com confiança baixa">
-            <a:extLst>
-              <a:ext uri="{FF2B5EF4-FFF2-40B4-BE49-F238E27FC236}">
-                <a16:creationId xmlns:a16="http://schemas.microsoft.com/office/drawing/2014/main" id="{991319E4-E9E2-136B-AD33-522D56172289}"/>
-              </a:ext>
-            </a:extLst>
-          </p:cNvPr>
-          <p:cNvPicPr>
-            <a:picLocks noChangeAspect="1"/>
-          </p:cNvPicPr>
-          <p:nvPr/>
-        </p:nvPicPr>
-        <p:blipFill>
-          <a:blip r:embed="rId4"/>
-          <a:stretch>
-            <a:fillRect/>
-          </a:stretch>
-        </p:blipFill>
-        <p:spPr>
-          <a:xfrm>
-            <a:off x="4671020" y="2496556"/>
-            <a:ext cx="1753171" cy="607633"/>
-          </a:xfrm>
-          <a:prstGeom prst="rect">
-            <a:avLst/>
-          </a:prstGeom>
-        </p:spPr>
-      </p:pic>
-      <p:pic>
-        <p:nvPicPr>
-          <p:cNvPr id="15" name="Imagem 14" descr="Uma imagem contendo cesto, recipiente, mesa, computador&#10;&#10;Descrição gerada automaticamente">
-            <a:extLst>
-              <a:ext uri="{FF2B5EF4-FFF2-40B4-BE49-F238E27FC236}">
-                <a16:creationId xmlns:a16="http://schemas.microsoft.com/office/drawing/2014/main" id="{3DC58A0B-D0C8-2C34-F626-2B5B20E43825}"/>
-              </a:ext>
-            </a:extLst>
-          </p:cNvPr>
-          <p:cNvPicPr>
-            <a:picLocks noChangeAspect="1"/>
-          </p:cNvPicPr>
-          <p:nvPr/>
-        </p:nvPicPr>
-        <p:blipFill>
-          <a:blip r:embed="rId5"/>
-          <a:stretch>
-            <a:fillRect/>
-          </a:stretch>
-        </p:blipFill>
-        <p:spPr>
-          <a:xfrm>
-            <a:off x="3564579" y="842045"/>
-            <a:ext cx="908852" cy="1566003"/>
-          </a:xfrm>
-          <a:prstGeom prst="rect">
-            <a:avLst/>
-          </a:prstGeom>
-        </p:spPr>
-      </p:pic>
-      <p:pic>
-        <p:nvPicPr>
-          <p:cNvPr id="13" name="Imagem 12" descr="Circuito eletrônico em fundo preto&#10;&#10;Descrição gerada automaticamente com confiança baixa">
-            <a:extLst>
-              <a:ext uri="{FF2B5EF4-FFF2-40B4-BE49-F238E27FC236}">
-                <a16:creationId xmlns:a16="http://schemas.microsoft.com/office/drawing/2014/main" id="{40B4B624-9F05-F287-AA92-8F1E5F08C063}"/>
-              </a:ext>
-            </a:extLst>
-          </p:cNvPr>
-          <p:cNvPicPr>
-            <a:picLocks noChangeAspect="1"/>
-          </p:cNvPicPr>
-          <p:nvPr/>
-        </p:nvPicPr>
-        <p:blipFill>
-          <a:blip r:embed="rId6"/>
-          <a:stretch>
-            <a:fillRect/>
-          </a:stretch>
-        </p:blipFill>
-        <p:spPr>
-          <a:xfrm>
-            <a:off x="2306585" y="1039926"/>
-            <a:ext cx="784674" cy="784674"/>
-          </a:xfrm>
-          <a:prstGeom prst="rect">
-            <a:avLst/>
-          </a:prstGeom>
-        </p:spPr>
-      </p:pic>
-      <p:pic>
-        <p:nvPicPr>
-          <p:cNvPr id="6" name="Imagem 5" descr="Uma imagem contendo xícara, café, mesa, pequeno&#10;&#10;Descrição gerada automaticamente">
-            <a:extLst>
-              <a:ext uri="{FF2B5EF4-FFF2-40B4-BE49-F238E27FC236}">
-                <a16:creationId xmlns:a16="http://schemas.microsoft.com/office/drawing/2014/main" id="{F5D25F67-2298-C2AB-0B43-AA400BF63369}"/>
-              </a:ext>
-            </a:extLst>
-          </p:cNvPr>
-          <p:cNvPicPr>
-            <a:picLocks noChangeAspect="1"/>
-          </p:cNvPicPr>
-          <p:nvPr/>
-        </p:nvPicPr>
-        <p:blipFill>
-          <a:blip r:embed="rId7"/>
-          <a:stretch>
-            <a:fillRect/>
-          </a:stretch>
-        </p:blipFill>
-        <p:spPr>
-          <a:xfrm>
-            <a:off x="2234843" y="495714"/>
-            <a:ext cx="615355" cy="430749"/>
-          </a:xfrm>
-          <a:prstGeom prst="rect">
-            <a:avLst/>
-          </a:prstGeom>
-        </p:spPr>
-      </p:pic>
-      <p:cxnSp>
-        <p:nvCxnSpPr>
-          <p:cNvPr id="18" name="Conector: Curvo 17">
-            <a:extLst>
-              <a:ext uri="{FF2B5EF4-FFF2-40B4-BE49-F238E27FC236}">
-                <a16:creationId xmlns:a16="http://schemas.microsoft.com/office/drawing/2014/main" id="{01238957-7641-06B3-42D6-57E351E5551C}"/>
-              </a:ext>
-            </a:extLst>
-          </p:cNvPr>
-          <p:cNvCxnSpPr>
-            <a:cxnSpLocks/>
-            <a:stCxn id="13" idx="3"/>
-          </p:cNvCxnSpPr>
-          <p:nvPr/>
-        </p:nvCxnSpPr>
-        <p:spPr>
-          <a:xfrm flipV="1">
-            <a:off x="3091259" y="988837"/>
-            <a:ext cx="784674" cy="443426"/>
-          </a:xfrm>
-          <a:prstGeom prst="curvedConnector3">
-            <a:avLst/>
-          </a:prstGeom>
-          <a:ln>
-            <a:tailEnd type="triangle"/>
-          </a:ln>
-        </p:spPr>
-        <p:style>
-          <a:lnRef idx="3">
-            <a:schemeClr val="dk1"/>
-          </a:lnRef>
-          <a:fillRef idx="0">
-            <a:schemeClr val="dk1"/>
-          </a:fillRef>
-          <a:effectRef idx="2">
-            <a:schemeClr val="dk1"/>
-          </a:effectRef>
-          <a:fontRef idx="minor">
-            <a:schemeClr val="tx1"/>
-          </a:fontRef>
-        </p:style>
-      </p:cxnSp>
-      <p:cxnSp>
-        <p:nvCxnSpPr>
-          <p:cNvPr id="22" name="Conector: Curvo 21">
-            <a:extLst>
-              <a:ext uri="{FF2B5EF4-FFF2-40B4-BE49-F238E27FC236}">
-                <a16:creationId xmlns:a16="http://schemas.microsoft.com/office/drawing/2014/main" id="{0B5B4245-4B69-4189-73C6-F753A5707BED}"/>
-              </a:ext>
-            </a:extLst>
-          </p:cNvPr>
-          <p:cNvCxnSpPr>
-            <a:cxnSpLocks/>
-            <a:stCxn id="6" idx="2"/>
-            <a:endCxn id="13" idx="1"/>
-          </p:cNvCxnSpPr>
-          <p:nvPr/>
-        </p:nvCxnSpPr>
-        <p:spPr>
-          <a:xfrm rot="5400000">
-            <a:off x="2171653" y="1061395"/>
-            <a:ext cx="505800" cy="235936"/>
-          </a:xfrm>
-          <a:prstGeom prst="curvedConnector4">
-            <a:avLst>
-              <a:gd name="adj1" fmla="val 11216"/>
-              <a:gd name="adj2" fmla="val 196891"/>
-            </a:avLst>
-          </a:prstGeom>
-          <a:ln>
-            <a:tailEnd type="triangle"/>
-          </a:ln>
-        </p:spPr>
-        <p:style>
-          <a:lnRef idx="3">
-            <a:schemeClr val="dk1"/>
-          </a:lnRef>
-          <a:fillRef idx="0">
-            <a:schemeClr val="dk1"/>
-          </a:fillRef>
-          <a:effectRef idx="2">
-            <a:schemeClr val="dk1"/>
-          </a:effectRef>
-          <a:fontRef idx="minor">
-            <a:schemeClr val="tx1"/>
-          </a:fontRef>
-        </p:style>
-      </p:cxnSp>
-      <p:sp>
-        <p:nvSpPr>
-          <p:cNvPr id="33" name="Chave Dupla 32">
-            <a:extLst>
-              <a:ext uri="{FF2B5EF4-FFF2-40B4-BE49-F238E27FC236}">
-                <a16:creationId xmlns:a16="http://schemas.microsoft.com/office/drawing/2014/main" id="{8574389A-A53A-69F8-9272-EB791934A8A3}"/>
-              </a:ext>
-            </a:extLst>
-          </p:cNvPr>
-          <p:cNvSpPr/>
-          <p:nvPr/>
-        </p:nvSpPr>
-        <p:spPr>
-          <a:xfrm>
-            <a:off x="1224097" y="2624068"/>
-            <a:ext cx="1235457" cy="862291"/>
-          </a:xfrm>
-          <a:prstGeom prst="bracePair">
-            <a:avLst/>
-          </a:prstGeom>
-        </p:spPr>
-        <p:style>
-          <a:lnRef idx="3">
-            <a:schemeClr val="dk1"/>
-          </a:lnRef>
-          <a:fillRef idx="0">
-            <a:schemeClr val="dk1"/>
-          </a:fillRef>
-          <a:effectRef idx="2">
-            <a:schemeClr val="dk1"/>
-          </a:effectRef>
-          <a:fontRef idx="minor">
-            <a:schemeClr val="tx1"/>
-          </a:fontRef>
-        </p:style>
-        <p:txBody>
-          <a:bodyPr rtlCol="0" anchor="ctr"/>
-          <a:lstStyle/>
-          <a:p>
-            <a:pPr algn="ctr"/>
-            <a:endParaRPr lang="pt-BR"/>
-          </a:p>
-        </p:txBody>
-      </p:sp>
-      <p:pic>
-        <p:nvPicPr>
-          <p:cNvPr id="35" name="Gráfico 34" descr="Internet estrutura de tópicos">
-            <a:extLst>
-              <a:ext uri="{FF2B5EF4-FFF2-40B4-BE49-F238E27FC236}">
-                <a16:creationId xmlns:a16="http://schemas.microsoft.com/office/drawing/2014/main" id="{69222F62-45D2-9988-0BAC-DD5F980CE83C}"/>
-              </a:ext>
-            </a:extLst>
-          </p:cNvPr>
-          <p:cNvPicPr>
-            <a:picLocks noChangeAspect="1"/>
-          </p:cNvPicPr>
-          <p:nvPr/>
-        </p:nvPicPr>
-        <p:blipFill>
-          <a:blip r:embed="rId8">
+          <a:blip r:embed="rId3">
             <a:extLst>
               <a:ext uri="{96DAC541-7B7A-43D3-8B79-37D633B846F1}">
-                <asvg:svgBlip xmlns:asvg="http://schemas.microsoft.com/office/drawing/2016/SVG/main" r:embed="rId9"/>
+                <asvg:svgBlip xmlns:asvg="http://schemas.microsoft.com/office/drawing/2016/SVG/main" r:embed="rId4"/>
               </a:ext>
             </a:extLst>
           </a:blip>
@@ -16009,105 +15727,30 @@
         </p:blipFill>
         <p:spPr>
           <a:xfrm>
-            <a:off x="1457633" y="2526329"/>
-            <a:ext cx="777210" cy="777210"/>
+            <a:off x="1144237" y="1038056"/>
+            <a:ext cx="459211" cy="459211"/>
           </a:xfrm>
           <a:prstGeom prst="rect">
             <a:avLst/>
           </a:prstGeom>
         </p:spPr>
       </p:pic>
-      <p:cxnSp>
-        <p:nvCxnSpPr>
-          <p:cNvPr id="36" name="Conector: Curvo 35">
-            <a:extLst>
-              <a:ext uri="{FF2B5EF4-FFF2-40B4-BE49-F238E27FC236}">
-                <a16:creationId xmlns:a16="http://schemas.microsoft.com/office/drawing/2014/main" id="{D9990CBC-0978-EEB6-AB90-E1AB82AA6C7C}"/>
-              </a:ext>
-            </a:extLst>
-          </p:cNvPr>
-          <p:cNvCxnSpPr>
-            <a:cxnSpLocks/>
-            <a:stCxn id="13" idx="2"/>
-            <a:endCxn id="35" idx="0"/>
-          </p:cNvCxnSpPr>
+      <p:sp>
+        <p:nvSpPr>
+          <p:cNvPr id="65" name="Fluxograma: Conector 64">
+            <a:extLst>
+              <a:ext uri="{FF2B5EF4-FFF2-40B4-BE49-F238E27FC236}">
+                <a16:creationId xmlns:a16="http://schemas.microsoft.com/office/drawing/2014/main" id="{7DB2ADEB-7E28-0EEA-EC1D-7D96DE8280F5}"/>
+              </a:ext>
+            </a:extLst>
+          </p:cNvPr>
+          <p:cNvSpPr/>
           <p:nvPr/>
-        </p:nvCxnSpPr>
-        <p:spPr>
-          <a:xfrm rot="5400000">
-            <a:off x="1921716" y="1749122"/>
-            <a:ext cx="701729" cy="852684"/>
-          </a:xfrm>
-          <a:prstGeom prst="curvedConnector3">
-            <a:avLst>
-              <a:gd name="adj1" fmla="val 50000"/>
-            </a:avLst>
-          </a:prstGeom>
-          <a:ln>
-            <a:tailEnd type="triangle"/>
-          </a:ln>
-        </p:spPr>
-        <p:style>
-          <a:lnRef idx="3">
-            <a:schemeClr val="dk1"/>
-          </a:lnRef>
-          <a:fillRef idx="0">
-            <a:schemeClr val="dk1"/>
-          </a:fillRef>
-          <a:effectRef idx="2">
-            <a:schemeClr val="dk1"/>
-          </a:effectRef>
-          <a:fontRef idx="minor">
-            <a:schemeClr val="tx1"/>
-          </a:fontRef>
-        </p:style>
-      </p:cxnSp>
-      <p:pic>
-        <p:nvPicPr>
-          <p:cNvPr id="42" name="Imagem 41" descr="Logotipo&#10;&#10;Descrição gerada automaticamente">
-            <a:extLst>
-              <a:ext uri="{FF2B5EF4-FFF2-40B4-BE49-F238E27FC236}">
-                <a16:creationId xmlns:a16="http://schemas.microsoft.com/office/drawing/2014/main" id="{0A3DA1F5-9050-2A33-1E13-6222A00DB3F1}"/>
-              </a:ext>
-            </a:extLst>
-          </p:cNvPr>
-          <p:cNvPicPr>
-            <a:picLocks noChangeAspect="1"/>
-          </p:cNvPicPr>
-          <p:nvPr/>
-        </p:nvPicPr>
-        <p:blipFill>
-          <a:blip r:embed="rId10"/>
-          <a:stretch>
-            <a:fillRect/>
-          </a:stretch>
-        </p:blipFill>
+        </p:nvSpPr>
         <p:spPr>
           <a:xfrm>
-            <a:off x="2102688" y="4312680"/>
-            <a:ext cx="992771" cy="372432"/>
-          </a:xfrm>
-          <a:prstGeom prst="rect">
-            <a:avLst/>
-          </a:prstGeom>
-        </p:spPr>
-      </p:pic>
-      <p:sp>
-        <p:nvSpPr>
-          <p:cNvPr id="49" name="Fluxograma: Conector 48">
-            <a:extLst>
-              <a:ext uri="{FF2B5EF4-FFF2-40B4-BE49-F238E27FC236}">
-                <a16:creationId xmlns:a16="http://schemas.microsoft.com/office/drawing/2014/main" id="{763B37AD-1A52-8457-3B4F-BE5FE4503496}"/>
-              </a:ext>
-            </a:extLst>
-          </p:cNvPr>
-          <p:cNvSpPr/>
-          <p:nvPr/>
-        </p:nvSpPr>
-        <p:spPr>
-          <a:xfrm>
-            <a:off x="3125709" y="3708806"/>
-            <a:ext cx="1651442" cy="1611498"/>
+            <a:off x="1043562" y="983163"/>
+            <a:ext cx="2998801" cy="4582368"/>
           </a:xfrm>
           <a:prstGeom prst="flowChartConnector">
             <a:avLst/>
@@ -16138,10 +15781,10 @@
       </p:sp>
       <p:pic>
         <p:nvPicPr>
-          <p:cNvPr id="32" name="Imagem 31" descr="Ícone&#10;&#10;Descrição gerada automaticamente">
-            <a:extLst>
-              <a:ext uri="{FF2B5EF4-FFF2-40B4-BE49-F238E27FC236}">
-                <a16:creationId xmlns:a16="http://schemas.microsoft.com/office/drawing/2014/main" id="{A2175E0C-929D-F7F2-CACD-3EA69E26716F}"/>
+          <p:cNvPr id="62" name="Gráfico 61" descr="Interface do Usuário/Experiência do Usuário com preenchimento sólido">
+            <a:extLst>
+              <a:ext uri="{FF2B5EF4-FFF2-40B4-BE49-F238E27FC236}">
+                <a16:creationId xmlns:a16="http://schemas.microsoft.com/office/drawing/2014/main" id="{B2453A11-C087-BEE4-B819-6110C6140902}"/>
               </a:ext>
             </a:extLst>
           </p:cNvPr>
@@ -16151,40 +15794,10 @@
           <p:nvPr/>
         </p:nvPicPr>
         <p:blipFill>
-          <a:blip r:embed="rId11"/>
-          <a:stretch>
-            <a:fillRect/>
-          </a:stretch>
-        </p:blipFill>
-        <p:spPr>
-          <a:xfrm>
-            <a:off x="3490981" y="4087743"/>
-            <a:ext cx="853623" cy="853623"/>
-          </a:xfrm>
-          <a:prstGeom prst="rect">
-            <a:avLst/>
-          </a:prstGeom>
-        </p:spPr>
-      </p:pic>
-      <p:pic>
-        <p:nvPicPr>
-          <p:cNvPr id="27" name="Imagem 26" descr="Ícone&#10;&#10;Descrição gerada automaticamente">
-            <a:extLst>
-              <a:ext uri="{FF2B5EF4-FFF2-40B4-BE49-F238E27FC236}">
-                <a16:creationId xmlns:a16="http://schemas.microsoft.com/office/drawing/2014/main" id="{BF0A6AE3-F5B5-4454-8B6C-A67AE9E325D9}"/>
-              </a:ext>
-            </a:extLst>
-          </p:cNvPr>
-          <p:cNvPicPr>
-            <a:picLocks noChangeAspect="1"/>
-          </p:cNvPicPr>
-          <p:nvPr/>
-        </p:nvPicPr>
-        <p:blipFill>
-          <a:blip r:embed="rId12">
-            <a:extLst>
-              <a:ext uri="{28A0092B-C50C-407E-A947-70E740481C1C}">
-                <a14:useLocalDpi xmlns:a14="http://schemas.microsoft.com/office/drawing/2010/main" val="0"/>
+          <a:blip r:embed="rId5">
+            <a:extLst>
+              <a:ext uri="{96DAC541-7B7A-43D3-8B79-37D633B846F1}">
+                <asvg:svgBlip xmlns:asvg="http://schemas.microsoft.com/office/drawing/2016/SVG/main" r:embed="rId6"/>
               </a:ext>
             </a:extLst>
           </a:blip>
@@ -16194,363 +15807,7 @@
         </p:blipFill>
         <p:spPr>
           <a:xfrm>
-            <a:off x="3726226" y="3679949"/>
-            <a:ext cx="529711" cy="529711"/>
-          </a:xfrm>
-          <a:prstGeom prst="rect">
-            <a:avLst/>
-          </a:prstGeom>
-        </p:spPr>
-      </p:pic>
-      <p:pic>
-        <p:nvPicPr>
-          <p:cNvPr id="10" name="Imagem 9" descr="Uma imagem contendo Logotipo&#10;&#10;Descrição gerada automaticamente">
-            <a:extLst>
-              <a:ext uri="{FF2B5EF4-FFF2-40B4-BE49-F238E27FC236}">
-                <a16:creationId xmlns:a16="http://schemas.microsoft.com/office/drawing/2014/main" id="{DB5B67CB-152F-4C91-67F4-4B3921D001AE}"/>
-              </a:ext>
-            </a:extLst>
-          </p:cNvPr>
-          <p:cNvPicPr>
-            <a:picLocks noChangeAspect="1"/>
-          </p:cNvPicPr>
-          <p:nvPr/>
-        </p:nvPicPr>
-        <p:blipFill>
-          <a:blip r:embed="rId13"/>
-          <a:stretch>
-            <a:fillRect/>
-          </a:stretch>
-        </p:blipFill>
-        <p:spPr>
-          <a:xfrm>
-            <a:off x="3558255" y="4909737"/>
-            <a:ext cx="876718" cy="306851"/>
-          </a:xfrm>
-          <a:prstGeom prst="rect">
-            <a:avLst/>
-          </a:prstGeom>
-        </p:spPr>
-      </p:pic>
-      <p:cxnSp>
-        <p:nvCxnSpPr>
-          <p:cNvPr id="51" name="Conector de Seta Reta 50">
-            <a:extLst>
-              <a:ext uri="{FF2B5EF4-FFF2-40B4-BE49-F238E27FC236}">
-                <a16:creationId xmlns:a16="http://schemas.microsoft.com/office/drawing/2014/main" id="{455DF1E8-98E5-60A4-A985-6D46D227A625}"/>
-              </a:ext>
-            </a:extLst>
-          </p:cNvPr>
-          <p:cNvCxnSpPr>
-            <a:stCxn id="33" idx="3"/>
-          </p:cNvCxnSpPr>
-          <p:nvPr/>
-        </p:nvCxnSpPr>
-        <p:spPr>
-          <a:xfrm>
-            <a:off x="2459554" y="3055214"/>
-            <a:ext cx="830848" cy="876470"/>
-          </a:xfrm>
-          <a:prstGeom prst="straightConnector1">
-            <a:avLst/>
-          </a:prstGeom>
-          <a:ln>
-            <a:tailEnd type="triangle"/>
-          </a:ln>
-        </p:spPr>
-        <p:style>
-          <a:lnRef idx="3">
-            <a:schemeClr val="dk1"/>
-          </a:lnRef>
-          <a:fillRef idx="0">
-            <a:schemeClr val="dk1"/>
-          </a:fillRef>
-          <a:effectRef idx="2">
-            <a:schemeClr val="dk1"/>
-          </a:effectRef>
-          <a:fontRef idx="minor">
-            <a:schemeClr val="tx1"/>
-          </a:fontRef>
-        </p:style>
-      </p:cxnSp>
-      <p:sp>
-        <p:nvSpPr>
-          <p:cNvPr id="52" name="CaixaDeTexto 51">
-            <a:extLst>
-              <a:ext uri="{FF2B5EF4-FFF2-40B4-BE49-F238E27FC236}">
-                <a16:creationId xmlns:a16="http://schemas.microsoft.com/office/drawing/2014/main" id="{F9EAC044-C9F7-947E-B994-5A57F3F94D7A}"/>
-              </a:ext>
-            </a:extLst>
-          </p:cNvPr>
-          <p:cNvSpPr txBox="1"/>
-          <p:nvPr/>
-        </p:nvSpPr>
-        <p:spPr>
-          <a:xfrm>
-            <a:off x="3053051" y="3077455"/>
-            <a:ext cx="1311151" cy="369332"/>
-          </a:xfrm>
-          <a:prstGeom prst="rect">
-            <a:avLst/>
-          </a:prstGeom>
-          <a:noFill/>
-        </p:spPr>
-        <p:txBody>
-          <a:bodyPr wrap="square" rtlCol="0">
-            <a:spAutoFit/>
-          </a:bodyPr>
-          <a:lstStyle/>
-          <a:p>
-            <a:r>
-              <a:rPr lang="pt-BR" sz="600" dirty="0">
-                <a:solidFill>
-                  <a:schemeClr val="bg1"/>
-                </a:solidFill>
-                <a:latin typeface="Arial Rounded MT Bold" panose="020F0704030504030204" pitchFamily="34" charset="0"/>
-              </a:rPr>
-              <a:t>post(https://servidor.com, body: { </a:t>
-            </a:r>
-            <a:r>
-              <a:rPr lang="pt-BR" sz="600" dirty="0" err="1">
-                <a:solidFill>
-                  <a:schemeClr val="bg1"/>
-                </a:solidFill>
-                <a:latin typeface="Arial Rounded MT Bold" panose="020F0704030504030204" pitchFamily="34" charset="0"/>
-              </a:rPr>
-              <a:t>capacity</a:t>
-            </a:r>
-            <a:r>
-              <a:rPr lang="pt-BR" sz="600" dirty="0">
-                <a:solidFill>
-                  <a:schemeClr val="bg1"/>
-                </a:solidFill>
-                <a:latin typeface="Arial Rounded MT Bold" panose="020F0704030504030204" pitchFamily="34" charset="0"/>
-              </a:rPr>
-              <a:t>: 50, </a:t>
-            </a:r>
-            <a:r>
-              <a:rPr lang="pt-BR" sz="600" dirty="0" err="1">
-                <a:solidFill>
-                  <a:schemeClr val="bg1"/>
-                </a:solidFill>
-                <a:latin typeface="Arial Rounded MT Bold" panose="020F0704030504030204" pitchFamily="34" charset="0"/>
-              </a:rPr>
-              <a:t>location</a:t>
-            </a:r>
-            <a:r>
-              <a:rPr lang="pt-BR" sz="600" dirty="0">
-                <a:solidFill>
-                  <a:schemeClr val="bg1"/>
-                </a:solidFill>
-                <a:latin typeface="Arial Rounded MT Bold" panose="020F0704030504030204" pitchFamily="34" charset="0"/>
-              </a:rPr>
-              <a:t>: “</a:t>
-            </a:r>
-            <a:r>
-              <a:rPr lang="pt-BR" sz="600" dirty="0" err="1">
-                <a:solidFill>
-                  <a:schemeClr val="bg1"/>
-                </a:solidFill>
-                <a:latin typeface="Arial Rounded MT Bold" panose="020F0704030504030204" pitchFamily="34" charset="0"/>
-              </a:rPr>
-              <a:t>puc</a:t>
-            </a:r>
-            <a:r>
-              <a:rPr lang="pt-BR" sz="600" dirty="0">
-                <a:solidFill>
-                  <a:schemeClr val="bg1"/>
-                </a:solidFill>
-                <a:latin typeface="Arial Rounded MT Bold" panose="020F0704030504030204" pitchFamily="34" charset="0"/>
-              </a:rPr>
-              <a:t>”})</a:t>
-            </a:r>
-          </a:p>
-        </p:txBody>
-      </p:sp>
-      <p:pic>
-        <p:nvPicPr>
-          <p:cNvPr id="54" name="Imagem 53" descr="Ícone&#10;&#10;Descrição gerada automaticamente">
-            <a:extLst>
-              <a:ext uri="{FF2B5EF4-FFF2-40B4-BE49-F238E27FC236}">
-                <a16:creationId xmlns:a16="http://schemas.microsoft.com/office/drawing/2014/main" id="{0E23FFA7-CDD1-B938-B702-EF17EA9FA04A}"/>
-              </a:ext>
-            </a:extLst>
-          </p:cNvPr>
-          <p:cNvPicPr>
-            <a:picLocks noChangeAspect="1"/>
-          </p:cNvPicPr>
-          <p:nvPr/>
-        </p:nvPicPr>
-        <p:blipFill>
-          <a:blip r:embed="rId14"/>
-          <a:stretch>
-            <a:fillRect/>
-          </a:stretch>
-        </p:blipFill>
-        <p:spPr>
-          <a:xfrm>
-            <a:off x="2713385" y="3053962"/>
-            <a:ext cx="401788" cy="401788"/>
-          </a:xfrm>
-          <a:prstGeom prst="rect">
-            <a:avLst/>
-          </a:prstGeom>
-        </p:spPr>
-      </p:pic>
-      <p:pic>
-        <p:nvPicPr>
-          <p:cNvPr id="56" name="Gráfico 55" descr="Banco de dados com preenchimento sólido">
-            <a:extLst>
-              <a:ext uri="{FF2B5EF4-FFF2-40B4-BE49-F238E27FC236}">
-                <a16:creationId xmlns:a16="http://schemas.microsoft.com/office/drawing/2014/main" id="{902A10A5-10B1-57DF-2613-DC02F117001C}"/>
-              </a:ext>
-            </a:extLst>
-          </p:cNvPr>
-          <p:cNvPicPr>
-            <a:picLocks noChangeAspect="1"/>
-          </p:cNvPicPr>
-          <p:nvPr/>
-        </p:nvPicPr>
-        <p:blipFill>
-          <a:blip r:embed="rId15">
-            <a:extLst>
-              <a:ext uri="{96DAC541-7B7A-43D3-8B79-37D633B846F1}">
-                <asvg:svgBlip xmlns:asvg="http://schemas.microsoft.com/office/drawing/2016/SVG/main" r:embed="rId16"/>
-              </a:ext>
-            </a:extLst>
-          </a:blip>
-          <a:stretch>
-            <a:fillRect/>
-          </a:stretch>
-        </p:blipFill>
-        <p:spPr>
-          <a:xfrm>
-            <a:off x="4419188" y="2554840"/>
-            <a:ext cx="459211" cy="459211"/>
-          </a:xfrm>
-          <a:prstGeom prst="rect">
-            <a:avLst/>
-          </a:prstGeom>
-        </p:spPr>
-      </p:pic>
-      <p:cxnSp>
-        <p:nvCxnSpPr>
-          <p:cNvPr id="57" name="Conector: Curvo 56">
-            <a:extLst>
-              <a:ext uri="{FF2B5EF4-FFF2-40B4-BE49-F238E27FC236}">
-                <a16:creationId xmlns:a16="http://schemas.microsoft.com/office/drawing/2014/main" id="{745BF223-248A-6F3F-A18C-E01782A9069B}"/>
-              </a:ext>
-            </a:extLst>
-          </p:cNvPr>
-          <p:cNvCxnSpPr>
-            <a:cxnSpLocks/>
-            <a:stCxn id="49" idx="7"/>
-            <a:endCxn id="11" idx="2"/>
-          </p:cNvCxnSpPr>
-          <p:nvPr/>
-        </p:nvCxnSpPr>
-        <p:spPr>
-          <a:xfrm rot="5400000" flipH="1" flipV="1">
-            <a:off x="4621147" y="3018346"/>
-            <a:ext cx="840615" cy="1012303"/>
-          </a:xfrm>
-          <a:prstGeom prst="curvedConnector3">
-            <a:avLst>
-              <a:gd name="adj1" fmla="val 50000"/>
-            </a:avLst>
-          </a:prstGeom>
-          <a:ln>
-            <a:tailEnd type="triangle"/>
-          </a:ln>
-        </p:spPr>
-        <p:style>
-          <a:lnRef idx="3">
-            <a:schemeClr val="dk1"/>
-          </a:lnRef>
-          <a:fillRef idx="0">
-            <a:schemeClr val="dk1"/>
-          </a:fillRef>
-          <a:effectRef idx="2">
-            <a:schemeClr val="dk1"/>
-          </a:effectRef>
-          <a:fontRef idx="minor">
-            <a:schemeClr val="tx1"/>
-          </a:fontRef>
-        </p:style>
-      </p:cxnSp>
-      <p:sp>
-        <p:nvSpPr>
-          <p:cNvPr id="65" name="Fluxograma: Conector 64">
-            <a:extLst>
-              <a:ext uri="{FF2B5EF4-FFF2-40B4-BE49-F238E27FC236}">
-                <a16:creationId xmlns:a16="http://schemas.microsoft.com/office/drawing/2014/main" id="{7DB2ADEB-7E28-0EEA-EC1D-7D96DE8280F5}"/>
-              </a:ext>
-            </a:extLst>
-          </p:cNvPr>
-          <p:cNvSpPr/>
-          <p:nvPr/>
-        </p:nvSpPr>
-        <p:spPr>
-          <a:xfrm>
-            <a:off x="8635658" y="1069472"/>
-            <a:ext cx="2861873" cy="2864879"/>
-          </a:xfrm>
-          <a:prstGeom prst="flowChartConnector">
-            <a:avLst/>
-          </a:prstGeom>
-        </p:spPr>
-        <p:style>
-          <a:lnRef idx="2">
-            <a:schemeClr val="dk1"/>
-          </a:lnRef>
-          <a:fillRef idx="1">
-            <a:schemeClr val="lt1"/>
-          </a:fillRef>
-          <a:effectRef idx="0">
-            <a:schemeClr val="dk1"/>
-          </a:effectRef>
-          <a:fontRef idx="minor">
-            <a:schemeClr val="dk1"/>
-          </a:fontRef>
-        </p:style>
-        <p:txBody>
-          <a:bodyPr rtlCol="0" anchor="ctr"/>
-          <a:lstStyle/>
-          <a:p>
-            <a:pPr algn="ctr"/>
-            <a:endParaRPr lang="pt-BR"/>
-          </a:p>
-        </p:txBody>
-      </p:sp>
-      <p:pic>
-        <p:nvPicPr>
-          <p:cNvPr id="62" name="Gráfico 61" descr="Interface do Usuário/Experiência do Usuário com preenchimento sólido">
-            <a:extLst>
-              <a:ext uri="{FF2B5EF4-FFF2-40B4-BE49-F238E27FC236}">
-                <a16:creationId xmlns:a16="http://schemas.microsoft.com/office/drawing/2014/main" id="{B2453A11-C087-BEE4-B819-6110C6140902}"/>
-              </a:ext>
-            </a:extLst>
-          </p:cNvPr>
-          <p:cNvPicPr>
-            <a:picLocks noChangeAspect="1"/>
-          </p:cNvPicPr>
-          <p:nvPr/>
-        </p:nvPicPr>
-        <p:blipFill>
-          <a:blip r:embed="rId17">
-            <a:extLst>
-              <a:ext uri="{96DAC541-7B7A-43D3-8B79-37D633B846F1}">
-                <asvg:svgBlip xmlns:asvg="http://schemas.microsoft.com/office/drawing/2016/SVG/main" r:embed="rId18"/>
-              </a:ext>
-            </a:extLst>
-          </a:blip>
-          <a:stretch>
-            <a:fillRect/>
-          </a:stretch>
-        </p:blipFill>
-        <p:spPr>
-          <a:xfrm>
-            <a:off x="9549249" y="4874128"/>
+            <a:off x="10218659" y="3347561"/>
             <a:ext cx="914400" cy="914400"/>
           </a:xfrm>
           <a:prstGeom prst="rect">
@@ -16573,10 +15830,10 @@
           <p:nvPr/>
         </p:nvPicPr>
         <p:blipFill>
-          <a:blip r:embed="rId19">
+          <a:blip r:embed="rId7">
             <a:extLst>
               <a:ext uri="{96DAC541-7B7A-43D3-8B79-37D633B846F1}">
-                <asvg:svgBlip xmlns:asvg="http://schemas.microsoft.com/office/drawing/2016/SVG/main" r:embed="rId20"/>
+                <asvg:svgBlip xmlns:asvg="http://schemas.microsoft.com/office/drawing/2016/SVG/main" r:embed="rId8"/>
               </a:ext>
             </a:extLst>
           </a:blip>
@@ -16586,7 +15843,7 @@
         </p:blipFill>
         <p:spPr>
           <a:xfrm>
-            <a:off x="10555149" y="5164031"/>
+            <a:off x="11224559" y="3637464"/>
             <a:ext cx="469300" cy="469300"/>
           </a:xfrm>
           <a:prstGeom prst="rect">
@@ -16596,10 +15853,10 @@
       </p:pic>
       <p:pic>
         <p:nvPicPr>
-          <p:cNvPr id="25" name="Imagem 24">
-            <a:extLst>
-              <a:ext uri="{FF2B5EF4-FFF2-40B4-BE49-F238E27FC236}">
-                <a16:creationId xmlns:a16="http://schemas.microsoft.com/office/drawing/2014/main" id="{9FFAA7CC-BE43-994D-E755-C6043EB8AC39}"/>
+          <p:cNvPr id="70" name="Gráfico 69" descr="Internet das Coisas com preenchimento sólido">
+            <a:extLst>
+              <a:ext uri="{FF2B5EF4-FFF2-40B4-BE49-F238E27FC236}">
+                <a16:creationId xmlns:a16="http://schemas.microsoft.com/office/drawing/2014/main" id="{3911FC49-5CCF-31F7-C6D7-DFEAC703B41C}"/>
               </a:ext>
             </a:extLst>
           </p:cNvPr>
@@ -16609,15 +15866,142 @@
           <p:nvPr/>
         </p:nvPicPr>
         <p:blipFill>
-          <a:blip r:embed="rId21"/>
+          <a:blip r:embed="rId9">
+            <a:extLst>
+              <a:ext uri="{96DAC541-7B7A-43D3-8B79-37D633B846F1}">
+                <asvg:svgBlip xmlns:asvg="http://schemas.microsoft.com/office/drawing/2016/SVG/main" r:embed="rId10"/>
+              </a:ext>
+            </a:extLst>
+          </a:blip>
           <a:stretch>
             <a:fillRect/>
           </a:stretch>
         </p:blipFill>
         <p:spPr>
           <a:xfrm>
-            <a:off x="10141313" y="1393073"/>
-            <a:ext cx="423147" cy="423147"/>
+            <a:off x="7199275" y="3072983"/>
+            <a:ext cx="1070702" cy="1070702"/>
+          </a:xfrm>
+          <a:prstGeom prst="rect">
+            <a:avLst/>
+          </a:prstGeom>
+        </p:spPr>
+      </p:pic>
+      <p:sp>
+        <p:nvSpPr>
+          <p:cNvPr id="89" name="CaixaDeTexto 88">
+            <a:extLst>
+              <a:ext uri="{FF2B5EF4-FFF2-40B4-BE49-F238E27FC236}">
+                <a16:creationId xmlns:a16="http://schemas.microsoft.com/office/drawing/2014/main" id="{D7A6A987-89C4-5A05-2FC6-724E0CE70B79}"/>
+              </a:ext>
+            </a:extLst>
+          </p:cNvPr>
+          <p:cNvSpPr txBox="1"/>
+          <p:nvPr/>
+        </p:nvSpPr>
+        <p:spPr>
+          <a:xfrm>
+            <a:off x="7053379" y="2657485"/>
+            <a:ext cx="1300347" cy="253916"/>
+          </a:xfrm>
+          <a:prstGeom prst="rect">
+            <a:avLst/>
+          </a:prstGeom>
+          <a:noFill/>
+        </p:spPr>
+        <p:txBody>
+          <a:bodyPr wrap="square" rtlCol="0">
+            <a:spAutoFit/>
+          </a:bodyPr>
+          <a:lstStyle/>
+          <a:p>
+            <a:pPr algn="ctr"/>
+            <a:r>
+              <a:rPr lang="pt-BR" sz="1050" dirty="0">
+                <a:solidFill>
+                  <a:schemeClr val="bg1"/>
+                </a:solidFill>
+                <a:latin typeface="Arial Rounded MT Bold" panose="020F0704030504030204" pitchFamily="34" charset="0"/>
+              </a:rPr>
+              <a:t>API Gateway</a:t>
+            </a:r>
+          </a:p>
+        </p:txBody>
+      </p:sp>
+      <p:sp>
+        <p:nvSpPr>
+          <p:cNvPr id="2" name="CaixaDeTexto 1">
+            <a:extLst>
+              <a:ext uri="{FF2B5EF4-FFF2-40B4-BE49-F238E27FC236}">
+                <a16:creationId xmlns:a16="http://schemas.microsoft.com/office/drawing/2014/main" id="{29D4B6C9-427B-05BF-DFA5-8B2A9D44308F}"/>
+              </a:ext>
+            </a:extLst>
+          </p:cNvPr>
+          <p:cNvSpPr txBox="1"/>
+          <p:nvPr/>
+        </p:nvSpPr>
+        <p:spPr>
+          <a:xfrm>
+            <a:off x="4795653" y="1778894"/>
+            <a:ext cx="1300347" cy="253916"/>
+          </a:xfrm>
+          <a:prstGeom prst="rect">
+            <a:avLst/>
+          </a:prstGeom>
+          <a:noFill/>
+        </p:spPr>
+        <p:txBody>
+          <a:bodyPr wrap="square" rtlCol="0">
+            <a:spAutoFit/>
+          </a:bodyPr>
+          <a:lstStyle/>
+          <a:p>
+            <a:pPr algn="ctr"/>
+            <a:r>
+              <a:rPr lang="pt-BR" sz="1050" dirty="0" err="1">
+                <a:solidFill>
+                  <a:schemeClr val="bg1"/>
+                </a:solidFill>
+                <a:latin typeface="Arial Rounded MT Bold" panose="020F0704030504030204" pitchFamily="34" charset="0"/>
+              </a:rPr>
+              <a:t>auth</a:t>
+            </a:r>
+            <a:r>
+              <a:rPr lang="pt-BR" sz="1050" dirty="0">
+                <a:solidFill>
+                  <a:schemeClr val="bg1"/>
+                </a:solidFill>
+                <a:latin typeface="Arial Rounded MT Bold" panose="020F0704030504030204" pitchFamily="34" charset="0"/>
+              </a:rPr>
+              <a:t>-server</a:t>
+            </a:r>
+          </a:p>
+        </p:txBody>
+      </p:sp>
+      <p:pic>
+        <p:nvPicPr>
+          <p:cNvPr id="14" name="Imagem 13" descr="Ícone&#10;&#10;Descrição gerada automaticamente">
+            <a:extLst>
+              <a:ext uri="{FF2B5EF4-FFF2-40B4-BE49-F238E27FC236}">
+                <a16:creationId xmlns:a16="http://schemas.microsoft.com/office/drawing/2014/main" id="{D4F88429-7CB4-5E6B-FF65-3CC6381F91D1}"/>
+              </a:ext>
+            </a:extLst>
+          </p:cNvPr>
+          <p:cNvPicPr>
+            <a:picLocks noChangeAspect="1"/>
+          </p:cNvPicPr>
+          <p:nvPr/>
+        </p:nvPicPr>
+        <p:blipFill>
+          <a:blip r:embed="rId2"/>
+          <a:stretch>
+            <a:fillRect/>
+          </a:stretch>
+        </p:blipFill>
+        <p:spPr>
+          <a:xfrm>
+            <a:off x="2116148" y="4261961"/>
+            <a:ext cx="853623" cy="853623"/>
           </a:xfrm>
           <a:prstGeom prst="rect">
             <a:avLst/>
@@ -16626,10 +16010,10 @@
       </p:pic>
       <p:pic>
         <p:nvPicPr>
-          <p:cNvPr id="8" name="Imagem 7" descr="Logotipo&#10;&#10;Descrição gerada automaticamente">
-            <a:extLst>
-              <a:ext uri="{FF2B5EF4-FFF2-40B4-BE49-F238E27FC236}">
-                <a16:creationId xmlns:a16="http://schemas.microsoft.com/office/drawing/2014/main" id="{6C489CE2-BDCF-9844-C62E-390FF55F65F8}"/>
+          <p:cNvPr id="16" name="Imagem 15" descr="Ícone&#10;&#10;Descrição gerada automaticamente">
+            <a:extLst>
+              <a:ext uri="{FF2B5EF4-FFF2-40B4-BE49-F238E27FC236}">
+                <a16:creationId xmlns:a16="http://schemas.microsoft.com/office/drawing/2014/main" id="{54BAFA7E-4545-24C5-1DB1-1EB5357A1685}"/>
               </a:ext>
             </a:extLst>
           </p:cNvPr>
@@ -16639,15 +16023,15 @@
           <p:nvPr/>
         </p:nvPicPr>
         <p:blipFill>
-          <a:blip r:embed="rId22"/>
+          <a:blip r:embed="rId2"/>
           <a:stretch>
             <a:fillRect/>
           </a:stretch>
         </p:blipFill>
         <p:spPr>
           <a:xfrm>
-            <a:off x="9527811" y="2891179"/>
-            <a:ext cx="1070702" cy="602270"/>
+            <a:off x="2127132" y="2808973"/>
+            <a:ext cx="853623" cy="853623"/>
           </a:xfrm>
           <a:prstGeom prst="rect">
             <a:avLst/>
@@ -16656,10 +16040,10 @@
       </p:pic>
       <p:pic>
         <p:nvPicPr>
-          <p:cNvPr id="68" name="Imagem 67" descr="Ícone&#10;&#10;Descrição gerada automaticamente">
-            <a:extLst>
-              <a:ext uri="{FF2B5EF4-FFF2-40B4-BE49-F238E27FC236}">
-                <a16:creationId xmlns:a16="http://schemas.microsoft.com/office/drawing/2014/main" id="{67BE265C-A257-7CCE-40AA-D00B9E825BCB}"/>
+          <p:cNvPr id="17" name="Imagem 16" descr="Ícone&#10;&#10;Descrição gerada automaticamente">
+            <a:extLst>
+              <a:ext uri="{FF2B5EF4-FFF2-40B4-BE49-F238E27FC236}">
+                <a16:creationId xmlns:a16="http://schemas.microsoft.com/office/drawing/2014/main" id="{F7FF3700-8138-F864-1D86-E37C9EE2B8C9}"/>
               </a:ext>
             </a:extLst>
           </p:cNvPr>
@@ -16669,114 +16053,266 @@
           <p:nvPr/>
         </p:nvPicPr>
         <p:blipFill>
-          <a:blip r:embed="rId23"/>
+          <a:blip r:embed="rId2"/>
           <a:stretch>
             <a:fillRect/>
           </a:stretch>
         </p:blipFill>
         <p:spPr>
           <a:xfrm>
-            <a:off x="9412675" y="1356017"/>
-            <a:ext cx="570001" cy="570001"/>
+            <a:off x="2127132" y="1436132"/>
+            <a:ext cx="853623" cy="853623"/>
           </a:xfrm>
           <a:prstGeom prst="rect">
             <a:avLst/>
           </a:prstGeom>
         </p:spPr>
       </p:pic>
-      <p:pic>
-        <p:nvPicPr>
-          <p:cNvPr id="70" name="Gráfico 69" descr="Internet das Coisas com preenchimento sólido">
-            <a:extLst>
-              <a:ext uri="{FF2B5EF4-FFF2-40B4-BE49-F238E27FC236}">
-                <a16:creationId xmlns:a16="http://schemas.microsoft.com/office/drawing/2014/main" id="{3911FC49-5CCF-31F7-C6D7-DFEAC703B41C}"/>
-              </a:ext>
-            </a:extLst>
-          </p:cNvPr>
-          <p:cNvPicPr>
-            <a:picLocks noChangeAspect="1"/>
-          </p:cNvPicPr>
+      <p:sp>
+        <p:nvSpPr>
+          <p:cNvPr id="21" name="CaixaDeTexto 20">
+            <a:extLst>
+              <a:ext uri="{FF2B5EF4-FFF2-40B4-BE49-F238E27FC236}">
+                <a16:creationId xmlns:a16="http://schemas.microsoft.com/office/drawing/2014/main" id="{E753B7D3-F1CE-DA92-8875-5C3B5FA0A8B2}"/>
+              </a:ext>
+            </a:extLst>
+          </p:cNvPr>
+          <p:cNvSpPr txBox="1"/>
           <p:nvPr/>
-        </p:nvPicPr>
-        <p:blipFill>
-          <a:blip r:embed="rId24">
-            <a:extLst>
-              <a:ext uri="{96DAC541-7B7A-43D3-8B79-37D633B846F1}">
-                <asvg:svgBlip xmlns:asvg="http://schemas.microsoft.com/office/drawing/2016/SVG/main" r:embed="rId25"/>
-              </a:ext>
-            </a:extLst>
-          </a:blip>
-          <a:stretch>
-            <a:fillRect/>
-          </a:stretch>
-        </p:blipFill>
+        </p:nvSpPr>
         <p:spPr>
           <a:xfrm>
-            <a:off x="9535577" y="1872697"/>
-            <a:ext cx="1070702" cy="1070702"/>
+            <a:off x="723668" y="729247"/>
+            <a:ext cx="1300347" cy="253916"/>
           </a:xfrm>
           <a:prstGeom prst="rect">
             <a:avLst/>
           </a:prstGeom>
+          <a:noFill/>
         </p:spPr>
-      </p:pic>
-      <p:pic>
-        <p:nvPicPr>
-          <p:cNvPr id="72" name="Gráfico 71" descr="Sem fio com preenchimento sólido">
-            <a:extLst>
-              <a:ext uri="{FF2B5EF4-FFF2-40B4-BE49-F238E27FC236}">
-                <a16:creationId xmlns:a16="http://schemas.microsoft.com/office/drawing/2014/main" id="{7E500CC1-DA33-E89B-2BF3-C06E721D04EF}"/>
-              </a:ext>
-            </a:extLst>
-          </p:cNvPr>
-          <p:cNvPicPr>
-            <a:picLocks noChangeAspect="1"/>
-          </p:cNvPicPr>
+        <p:txBody>
+          <a:bodyPr wrap="square" rtlCol="0">
+            <a:spAutoFit/>
+          </a:bodyPr>
+          <a:lstStyle/>
+          <a:p>
+            <a:pPr algn="ctr"/>
+            <a:r>
+              <a:rPr lang="pt-BR" sz="1050" dirty="0">
+                <a:solidFill>
+                  <a:schemeClr val="bg1"/>
+                </a:solidFill>
+                <a:latin typeface="Arial Rounded MT Bold" panose="020F0704030504030204" pitchFamily="34" charset="0"/>
+              </a:rPr>
+              <a:t>PostgreSQL</a:t>
+            </a:r>
+          </a:p>
+        </p:txBody>
+      </p:sp>
+      <p:sp>
+        <p:nvSpPr>
+          <p:cNvPr id="23" name="CaixaDeTexto 22">
+            <a:extLst>
+              <a:ext uri="{FF2B5EF4-FFF2-40B4-BE49-F238E27FC236}">
+                <a16:creationId xmlns:a16="http://schemas.microsoft.com/office/drawing/2014/main" id="{FFE7FDC2-DF18-EA75-F7DE-4F6133E7296D}"/>
+              </a:ext>
+            </a:extLst>
+          </p:cNvPr>
+          <p:cNvSpPr txBox="1"/>
           <p:nvPr/>
-        </p:nvPicPr>
-        <p:blipFill>
-          <a:blip r:embed="rId26">
-            <a:extLst>
-              <a:ext uri="{96DAC541-7B7A-43D3-8B79-37D633B846F1}">
-                <asvg:svgBlip xmlns:asvg="http://schemas.microsoft.com/office/drawing/2016/SVG/main" r:embed="rId27"/>
-              </a:ext>
-            </a:extLst>
-          </a:blip>
-          <a:stretch>
-            <a:fillRect/>
-          </a:stretch>
-        </p:blipFill>
+        </p:nvSpPr>
         <p:spPr>
-          <a:xfrm rot="2627131">
-            <a:off x="9834278" y="4055468"/>
-            <a:ext cx="748720" cy="748720"/>
+          <a:xfrm>
+            <a:off x="1903767" y="2588128"/>
+            <a:ext cx="1300347" cy="253916"/>
           </a:xfrm>
           <a:prstGeom prst="rect">
             <a:avLst/>
           </a:prstGeom>
+          <a:noFill/>
         </p:spPr>
-      </p:pic>
+        <p:txBody>
+          <a:bodyPr wrap="square" rtlCol="0">
+            <a:spAutoFit/>
+          </a:bodyPr>
+          <a:lstStyle/>
+          <a:p>
+            <a:pPr algn="ctr"/>
+            <a:r>
+              <a:rPr lang="pt-BR" sz="1050" dirty="0">
+                <a:solidFill>
+                  <a:schemeClr val="bg1"/>
+                </a:solidFill>
+                <a:latin typeface="Arial Rounded MT Bold" panose="020F0704030504030204" pitchFamily="34" charset="0"/>
+              </a:rPr>
+              <a:t>books</a:t>
+            </a:r>
+          </a:p>
+        </p:txBody>
+      </p:sp>
+      <p:sp>
+        <p:nvSpPr>
+          <p:cNvPr id="24" name="CaixaDeTexto 23">
+            <a:extLst>
+              <a:ext uri="{FF2B5EF4-FFF2-40B4-BE49-F238E27FC236}">
+                <a16:creationId xmlns:a16="http://schemas.microsoft.com/office/drawing/2014/main" id="{B4C279A5-BD82-26DA-5C08-C90D1D449218}"/>
+              </a:ext>
+            </a:extLst>
+          </p:cNvPr>
+          <p:cNvSpPr txBox="1"/>
+          <p:nvPr/>
+        </p:nvSpPr>
+        <p:spPr>
+          <a:xfrm>
+            <a:off x="1892788" y="1196451"/>
+            <a:ext cx="1300347" cy="253916"/>
+          </a:xfrm>
+          <a:prstGeom prst="rect">
+            <a:avLst/>
+          </a:prstGeom>
+          <a:noFill/>
+        </p:spPr>
+        <p:txBody>
+          <a:bodyPr wrap="square" rtlCol="0">
+            <a:spAutoFit/>
+          </a:bodyPr>
+          <a:lstStyle/>
+          <a:p>
+            <a:pPr algn="ctr"/>
+            <a:r>
+              <a:rPr lang="pt-BR" sz="1050" dirty="0">
+                <a:solidFill>
+                  <a:schemeClr val="bg1"/>
+                </a:solidFill>
+                <a:latin typeface="Arial Rounded MT Bold" panose="020F0704030504030204" pitchFamily="34" charset="0"/>
+              </a:rPr>
+              <a:t>book-store</a:t>
+            </a:r>
+          </a:p>
+        </p:txBody>
+      </p:sp>
+      <p:sp>
+        <p:nvSpPr>
+          <p:cNvPr id="26" name="CaixaDeTexto 25">
+            <a:extLst>
+              <a:ext uri="{FF2B5EF4-FFF2-40B4-BE49-F238E27FC236}">
+                <a16:creationId xmlns:a16="http://schemas.microsoft.com/office/drawing/2014/main" id="{7CC1D25A-833C-E4CC-EE5B-640BE18F2031}"/>
+              </a:ext>
+            </a:extLst>
+          </p:cNvPr>
+          <p:cNvSpPr txBox="1"/>
+          <p:nvPr/>
+        </p:nvSpPr>
+        <p:spPr>
+          <a:xfrm>
+            <a:off x="1903767" y="3979806"/>
+            <a:ext cx="1300347" cy="253916"/>
+          </a:xfrm>
+          <a:prstGeom prst="rect">
+            <a:avLst/>
+          </a:prstGeom>
+          <a:noFill/>
+        </p:spPr>
+        <p:txBody>
+          <a:bodyPr wrap="square" rtlCol="0">
+            <a:spAutoFit/>
+          </a:bodyPr>
+          <a:lstStyle/>
+          <a:p>
+            <a:pPr algn="ctr"/>
+            <a:r>
+              <a:rPr lang="pt-BR" sz="1050" dirty="0">
+                <a:solidFill>
+                  <a:schemeClr val="bg1"/>
+                </a:solidFill>
+                <a:latin typeface="Arial Rounded MT Bold" panose="020F0704030504030204" pitchFamily="34" charset="0"/>
+              </a:rPr>
+              <a:t>books-</a:t>
+            </a:r>
+            <a:r>
+              <a:rPr lang="pt-BR" sz="1050" dirty="0" err="1">
+                <a:solidFill>
+                  <a:schemeClr val="bg1"/>
+                </a:solidFill>
+                <a:latin typeface="Arial Rounded MT Bold" panose="020F0704030504030204" pitchFamily="34" charset="0"/>
+              </a:rPr>
+              <a:t>user</a:t>
+            </a:r>
+            <a:endParaRPr lang="pt-BR" sz="1050" dirty="0">
+              <a:solidFill>
+                <a:schemeClr val="bg1"/>
+              </a:solidFill>
+              <a:latin typeface="Arial Rounded MT Bold" panose="020F0704030504030204" pitchFamily="34" charset="0"/>
+            </a:endParaRPr>
+          </a:p>
+        </p:txBody>
+      </p:sp>
+      <p:sp>
+        <p:nvSpPr>
+          <p:cNvPr id="38" name="CaixaDeTexto 37">
+            <a:extLst>
+              <a:ext uri="{FF2B5EF4-FFF2-40B4-BE49-F238E27FC236}">
+                <a16:creationId xmlns:a16="http://schemas.microsoft.com/office/drawing/2014/main" id="{7B67FB92-CE41-3185-1833-7416716EF092}"/>
+              </a:ext>
+            </a:extLst>
+          </p:cNvPr>
+          <p:cNvSpPr txBox="1"/>
+          <p:nvPr/>
+        </p:nvSpPr>
+        <p:spPr>
+          <a:xfrm>
+            <a:off x="62508" y="4650415"/>
+            <a:ext cx="1300347" cy="253916"/>
+          </a:xfrm>
+          <a:prstGeom prst="rect">
+            <a:avLst/>
+          </a:prstGeom>
+          <a:noFill/>
+        </p:spPr>
+        <p:txBody>
+          <a:bodyPr wrap="square" rtlCol="0">
+            <a:spAutoFit/>
+          </a:bodyPr>
+          <a:lstStyle/>
+          <a:p>
+            <a:pPr algn="ctr"/>
+            <a:r>
+              <a:rPr lang="pt-BR" sz="1050" dirty="0">
+                <a:solidFill>
+                  <a:schemeClr val="bg1"/>
+                </a:solidFill>
+                <a:latin typeface="Arial Rounded MT Bold" panose="020F0704030504030204" pitchFamily="34" charset="0"/>
+              </a:rPr>
+              <a:t>Eureka Server</a:t>
+            </a:r>
+          </a:p>
+        </p:txBody>
+      </p:sp>
       <p:cxnSp>
         <p:nvCxnSpPr>
-          <p:cNvPr id="86" name="Conector: Curvo 85">
-            <a:extLst>
-              <a:ext uri="{FF2B5EF4-FFF2-40B4-BE49-F238E27FC236}">
-                <a16:creationId xmlns:a16="http://schemas.microsoft.com/office/drawing/2014/main" id="{763F88B6-6498-E0E4-87B6-E8F51D546FE3}"/>
+          <p:cNvPr id="46" name="Conector: Curvo 45">
+            <a:extLst>
+              <a:ext uri="{FF2B5EF4-FFF2-40B4-BE49-F238E27FC236}">
+                <a16:creationId xmlns:a16="http://schemas.microsoft.com/office/drawing/2014/main" id="{B7C8AD9A-B837-4F03-C228-6E5DC1F06402}"/>
               </a:ext>
             </a:extLst>
           </p:cNvPr>
           <p:cNvCxnSpPr>
             <a:cxnSpLocks/>
+            <a:endCxn id="62" idx="2"/>
           </p:cNvCxnSpPr>
           <p:nvPr/>
         </p:nvCxnSpPr>
         <p:spPr>
-          <a:xfrm flipV="1">
-            <a:off x="4916046" y="3257364"/>
-            <a:ext cx="3811788" cy="1203204"/>
+          <a:xfrm>
+            <a:off x="8017568" y="4106766"/>
+            <a:ext cx="2658291" cy="155195"/>
           </a:xfrm>
-          <a:prstGeom prst="curvedConnector3">
-            <a:avLst/>
+          <a:prstGeom prst="curvedConnector4">
+            <a:avLst>
+              <a:gd name="adj1" fmla="val 41400"/>
+              <a:gd name="adj2" fmla="val 247299"/>
+            </a:avLst>
           </a:prstGeom>
           <a:ln>
             <a:headEnd type="triangle"/>
@@ -16798,12 +16334,101 @@
           </a:fontRef>
         </p:style>
       </p:cxnSp>
-      <p:sp>
-        <p:nvSpPr>
-          <p:cNvPr id="89" name="CaixaDeTexto 88">
-            <a:extLst>
-              <a:ext uri="{FF2B5EF4-FFF2-40B4-BE49-F238E27FC236}">
-                <a16:creationId xmlns:a16="http://schemas.microsoft.com/office/drawing/2014/main" id="{D7A6A987-89C4-5A05-2FC6-724E0CE70B79}"/>
+      <p:cxnSp>
+        <p:nvCxnSpPr>
+          <p:cNvPr id="53" name="Conector: Curvo 52">
+            <a:extLst>
+              <a:ext uri="{FF2B5EF4-FFF2-40B4-BE49-F238E27FC236}">
+                <a16:creationId xmlns:a16="http://schemas.microsoft.com/office/drawing/2014/main" id="{A1396FBA-0A14-80E2-92EC-71F6FC99E5D1}"/>
+              </a:ext>
+            </a:extLst>
+          </p:cNvPr>
+          <p:cNvCxnSpPr>
+            <a:cxnSpLocks/>
+            <a:endCxn id="70" idx="1"/>
+          </p:cNvCxnSpPr>
+          <p:nvPr/>
+        </p:nvCxnSpPr>
+        <p:spPr>
+          <a:xfrm>
+            <a:off x="5872639" y="2784443"/>
+            <a:ext cx="1326636" cy="823891"/>
+          </a:xfrm>
+          <a:prstGeom prst="curvedConnector3">
+            <a:avLst>
+              <a:gd name="adj1" fmla="val 50000"/>
+            </a:avLst>
+          </a:prstGeom>
+          <a:ln>
+            <a:headEnd type="triangle"/>
+            <a:tailEnd type="triangle"/>
+          </a:ln>
+        </p:spPr>
+        <p:style>
+          <a:lnRef idx="3">
+            <a:schemeClr val="dk1"/>
+          </a:lnRef>
+          <a:fillRef idx="0">
+            <a:schemeClr val="dk1"/>
+          </a:fillRef>
+          <a:effectRef idx="2">
+            <a:schemeClr val="dk1"/>
+          </a:effectRef>
+          <a:fontRef idx="minor">
+            <a:schemeClr val="tx1"/>
+          </a:fontRef>
+        </p:style>
+      </p:cxnSp>
+      <p:cxnSp>
+        <p:nvCxnSpPr>
+          <p:cNvPr id="59" name="Conector: Curvo 58">
+            <a:extLst>
+              <a:ext uri="{FF2B5EF4-FFF2-40B4-BE49-F238E27FC236}">
+                <a16:creationId xmlns:a16="http://schemas.microsoft.com/office/drawing/2014/main" id="{37CF61BD-883B-2255-2A37-903B69738750}"/>
+              </a:ext>
+            </a:extLst>
+          </p:cNvPr>
+          <p:cNvCxnSpPr>
+            <a:cxnSpLocks/>
+          </p:cNvCxnSpPr>
+          <p:nvPr/>
+        </p:nvCxnSpPr>
+        <p:spPr>
+          <a:xfrm flipV="1">
+            <a:off x="3957407" y="3872114"/>
+            <a:ext cx="3424054" cy="487853"/>
+          </a:xfrm>
+          <a:prstGeom prst="curvedConnector3">
+            <a:avLst>
+              <a:gd name="adj1" fmla="val 50000"/>
+            </a:avLst>
+          </a:prstGeom>
+          <a:ln>
+            <a:headEnd type="triangle"/>
+            <a:tailEnd type="triangle"/>
+          </a:ln>
+        </p:spPr>
+        <p:style>
+          <a:lnRef idx="3">
+            <a:schemeClr val="dk1"/>
+          </a:lnRef>
+          <a:fillRef idx="0">
+            <a:schemeClr val="dk1"/>
+          </a:fillRef>
+          <a:effectRef idx="2">
+            <a:schemeClr val="dk1"/>
+          </a:effectRef>
+          <a:fontRef idx="minor">
+            <a:schemeClr val="tx1"/>
+          </a:fontRef>
+        </p:style>
+      </p:cxnSp>
+      <p:sp>
+        <p:nvSpPr>
+          <p:cNvPr id="66" name="CaixaDeTexto 65">
+            <a:extLst>
+              <a:ext uri="{FF2B5EF4-FFF2-40B4-BE49-F238E27FC236}">
+                <a16:creationId xmlns:a16="http://schemas.microsoft.com/office/drawing/2014/main" id="{60B52B47-EF66-B94A-485D-5313DA8FD5DF}"/>
               </a:ext>
             </a:extLst>
           </p:cNvPr>
@@ -16811,9 +16436,9 @@
           <p:nvPr/>
         </p:nvSpPr>
         <p:spPr>
-          <a:xfrm rot="20421625">
-            <a:off x="6280288" y="4065405"/>
-            <a:ext cx="1300347" cy="415498"/>
+          <a:xfrm>
+            <a:off x="10126542" y="2738992"/>
+            <a:ext cx="1300347" cy="577081"/>
           </a:xfrm>
           <a:prstGeom prst="rect">
             <a:avLst/>
@@ -16827,15 +16452,6 @@
           <a:lstStyle/>
           <a:p>
             <a:pPr algn="ctr"/>
-            <a:r>
-              <a:rPr lang="pt-BR" sz="1050" dirty="0" err="1">
-                <a:solidFill>
-                  <a:schemeClr val="bg1"/>
-                </a:solidFill>
-                <a:latin typeface="Arial Rounded MT Bold" panose="020F0704030504030204" pitchFamily="34" charset="0"/>
-              </a:rPr>
-              <a:t>Mutation</a:t>
-            </a:r>
             <a:r>
               <a:rPr lang="pt-BR" sz="1050" dirty="0">
                 <a:solidFill>
@@ -16843,7 +16459,7 @@
                 </a:solidFill>
                 <a:latin typeface="Arial Rounded MT Bold" panose="020F0704030504030204" pitchFamily="34" charset="0"/>
               </a:rPr>
-              <a:t> / Query </a:t>
+              <a:t>Atendente acessando front-</a:t>
             </a:r>
             <a:r>
               <a:rPr lang="pt-BR" sz="1050" dirty="0" err="1">
@@ -16852,7 +16468,7 @@
                 </a:solidFill>
                 <a:latin typeface="Arial Rounded MT Bold" panose="020F0704030504030204" pitchFamily="34" charset="0"/>
               </a:rPr>
-              <a:t>Graphql</a:t>
+              <a:t>end</a:t>
             </a:r>
             <a:endParaRPr lang="pt-BR" sz="1050" dirty="0">
               <a:solidFill>
@@ -18037,25 +17653,6 @@
 </file>
 
 <file path=customXml/item1.xml><?xml version="1.0" encoding="utf-8"?>
-<p:properties xmlns:p="http://schemas.microsoft.com/office/2006/metadata/properties" xmlns:xsi="http://www.w3.org/2001/XMLSchema-instance" xmlns:pc="http://schemas.microsoft.com/office/infopath/2007/PartnerControls">
-  <documentManagement>
-    <_ip_UnifiedCompliancePolicyUIAction xmlns="http://schemas.microsoft.com/sharepoint/v3" xsi:nil="true"/>
-    <Image xmlns="71af3243-3dd4-4a8d-8c0d-dd76da1f02a5">
-      <Url xsi:nil="true"/>
-      <Description xsi:nil="true"/>
-    </Image>
-    <Status xmlns="71af3243-3dd4-4a8d-8c0d-dd76da1f02a5">Not started</Status>
-    <_ip_UnifiedCompliancePolicyProperties xmlns="http://schemas.microsoft.com/sharepoint/v3" xsi:nil="true"/>
-    <lcf76f155ced4ddcb4097134ff3c332f xmlns="71af3243-3dd4-4a8d-8c0d-dd76da1f02a5">
-      <Terms xmlns="http://schemas.microsoft.com/office/infopath/2007/PartnerControls"/>
-    </lcf76f155ced4ddcb4097134ff3c332f>
-    <TaxCatchAll xmlns="230e9df3-be65-4c73-a93b-d1236ebd677e"/>
-    <MediaServiceKeyPoints xmlns="71af3243-3dd4-4a8d-8c0d-dd76da1f02a5" xsi:nil="true"/>
-  </documentManagement>
-</p:properties>
-</file>
-
-<file path=customXml/item2.xml><?xml version="1.0" encoding="utf-8"?>
 <ct:contentTypeSchema xmlns:ct="http://schemas.microsoft.com/office/2006/metadata/contentType" xmlns:ma="http://schemas.microsoft.com/office/2006/metadata/properties/metaAttributes" ct:_="" ma:_="" ma:contentTypeName="Document" ma:contentTypeID="0x01010079F111ED35F8CC479449609E8A0923A6" ma:contentTypeVersion="18" ma:contentTypeDescription="Create a new document." ma:contentTypeScope="" ma:versionID="22a266b9fa9a230c5a512669d8b298c3">
   <xsd:schema xmlns:xsd="http://www.w3.org/2001/XMLSchema" xmlns:xs="http://www.w3.org/2001/XMLSchema" xmlns:p="http://schemas.microsoft.com/office/2006/metadata/properties" xmlns:ns1="http://schemas.microsoft.com/sharepoint/v3" xmlns:ns2="71af3243-3dd4-4a8d-8c0d-dd76da1f02a5" xmlns:ns3="16c05727-aa75-4e4a-9b5f-8a80a1165891" xmlns:ns4="230e9df3-be65-4c73-a93b-d1236ebd677e" targetNamespace="http://schemas.microsoft.com/office/2006/metadata/properties" ma:root="true" ma:fieldsID="eddc33fff6b14141ee5c74a0d29ea6a1" ns1:_="" ns2:_="" ns3:_="" ns4:_="">
     <xsd:import namespace="http://schemas.microsoft.com/sharepoint/v3"/>
@@ -18331,6 +17928,25 @@
 </ct:contentTypeSchema>
 </file>
 
+<file path=customXml/item2.xml><?xml version="1.0" encoding="utf-8"?>
+<p:properties xmlns:p="http://schemas.microsoft.com/office/2006/metadata/properties" xmlns:xsi="http://www.w3.org/2001/XMLSchema-instance" xmlns:pc="http://schemas.microsoft.com/office/infopath/2007/PartnerControls">
+  <documentManagement>
+    <_ip_UnifiedCompliancePolicyUIAction xmlns="http://schemas.microsoft.com/sharepoint/v3" xsi:nil="true"/>
+    <Image xmlns="71af3243-3dd4-4a8d-8c0d-dd76da1f02a5">
+      <Url xsi:nil="true"/>
+      <Description xsi:nil="true"/>
+    </Image>
+    <Status xmlns="71af3243-3dd4-4a8d-8c0d-dd76da1f02a5">Not started</Status>
+    <_ip_UnifiedCompliancePolicyProperties xmlns="http://schemas.microsoft.com/sharepoint/v3" xsi:nil="true"/>
+    <lcf76f155ced4ddcb4097134ff3c332f xmlns="71af3243-3dd4-4a8d-8c0d-dd76da1f02a5">
+      <Terms xmlns="http://schemas.microsoft.com/office/infopath/2007/PartnerControls"/>
+    </lcf76f155ced4ddcb4097134ff3c332f>
+    <TaxCatchAll xmlns="230e9df3-be65-4c73-a93b-d1236ebd677e"/>
+    <MediaServiceKeyPoints xmlns="71af3243-3dd4-4a8d-8c0d-dd76da1f02a5" xsi:nil="true"/>
+  </documentManagement>
+</p:properties>
+</file>
+
 <file path=customXml/item3.xml><?xml version="1.0" encoding="utf-8"?>
 <?mso-contentType ?>
 <FormTemplates xmlns="http://schemas.microsoft.com/sharepoint/v3/contenttype/forms">
@@ -18341,18 +17957,6 @@
 </file>
 
 <file path=customXml/itemProps1.xml><?xml version="1.0" encoding="utf-8"?>
-<ds:datastoreItem xmlns:ds="http://schemas.openxmlformats.org/officeDocument/2006/customXml" ds:itemID="{50811A92-D464-4AC4-A396-BA73B10CEEAC}">
-  <ds:schemaRefs>
-    <ds:schemaRef ds:uri="http://schemas.microsoft.com/office/2006/metadata/properties"/>
-    <ds:schemaRef ds:uri="http://schemas.microsoft.com/office/infopath/2007/PartnerControls"/>
-    <ds:schemaRef ds:uri="http://schemas.microsoft.com/sharepoint/v3"/>
-    <ds:schemaRef ds:uri="71af3243-3dd4-4a8d-8c0d-dd76da1f02a5"/>
-    <ds:schemaRef ds:uri="230e9df3-be65-4c73-a93b-d1236ebd677e"/>
-  </ds:schemaRefs>
-</ds:datastoreItem>
-</file>
-
-<file path=customXml/itemProps2.xml><?xml version="1.0" encoding="utf-8"?>
 <ds:datastoreItem xmlns:ds="http://schemas.openxmlformats.org/officeDocument/2006/customXml" ds:itemID="{DE4876F9-7AE1-498D-B8FE-1E3AD703D2AF}">
   <ds:schemaRefs>
     <ds:schemaRef ds:uri="http://schemas.microsoft.com/office/2006/metadata/contentType"/>
@@ -18373,6 +17977,18 @@
 </ds:datastoreItem>
 </file>
 
+<file path=customXml/itemProps2.xml><?xml version="1.0" encoding="utf-8"?>
+<ds:datastoreItem xmlns:ds="http://schemas.openxmlformats.org/officeDocument/2006/customXml" ds:itemID="{50811A92-D464-4AC4-A396-BA73B10CEEAC}">
+  <ds:schemaRefs>
+    <ds:schemaRef ds:uri="http://schemas.microsoft.com/office/2006/metadata/properties"/>
+    <ds:schemaRef ds:uri="http://schemas.microsoft.com/office/infopath/2007/PartnerControls"/>
+    <ds:schemaRef ds:uri="http://schemas.microsoft.com/sharepoint/v3"/>
+    <ds:schemaRef ds:uri="71af3243-3dd4-4a8d-8c0d-dd76da1f02a5"/>
+    <ds:schemaRef ds:uri="230e9df3-be65-4c73-a93b-d1236ebd677e"/>
+  </ds:schemaRefs>
+</ds:datastoreItem>
+</file>
+
 <file path=customXml/itemProps3.xml><?xml version="1.0" encoding="utf-8"?>
 <ds:datastoreItem xmlns:ds="http://schemas.openxmlformats.org/officeDocument/2006/customXml" ds:itemID="{904751AB-E840-446F-8D49-E697067EC887}">
   <ds:schemaRefs>
